--- a/Daily Agendas/Day7.4_FileOrganization_Oct19.pptx
+++ b/Daily Agendas/Day7.4_FileOrganization_Oct19.pptx
@@ -3114,28 +3114,23 @@
           <a:p>
             <a:pPr lvl="1"/>
             <a:r>
-              <a:rPr lang="en-US" dirty="0" smtClean="0"/>
+              <a:rPr lang="en-US" smtClean="0"/>
               <a:t>Module </a:t>
             </a:r>
             <a:r>
-              <a:rPr lang="en-US" dirty="0" smtClean="0"/>
-              <a:t>A.4 </a:t>
+              <a:rPr lang="en-US" smtClean="0"/>
+              <a:t>C.1 </a:t>
             </a:r>
             <a:r>
               <a:rPr lang="en-US" dirty="0" smtClean="0"/>
               <a:t>File System Organization</a:t>
             </a:r>
-            <a:endParaRPr lang="en-US" dirty="0" smtClean="0"/>
           </a:p>
           <a:p>
             <a:pPr lvl="1"/>
             <a:r>
               <a:rPr lang="en-US" dirty="0" smtClean="0"/>
-              <a:t>Past </a:t>
-            </a:r>
-            <a:r>
-              <a:rPr lang="en-US" dirty="0" smtClean="0"/>
-              <a:t>Module </a:t>
+              <a:t>Past Module </a:t>
             </a:r>
             <a:r>
               <a:rPr lang="en-US" dirty="0"/>
@@ -3154,19 +3149,7 @@
             <a:pPr lvl="2"/>
             <a:r>
               <a:rPr lang="en-CA" dirty="0" smtClean="0"/>
-              <a:t>Complete </a:t>
-            </a:r>
-            <a:r>
-              <a:rPr lang="en-CA" dirty="0" smtClean="0"/>
-              <a:t>unfinished </a:t>
-            </a:r>
-            <a:r>
-              <a:rPr lang="en-CA" dirty="0" smtClean="0"/>
-              <a:t>Arduino work </a:t>
-            </a:r>
-            <a:r>
-              <a:rPr lang="en-CA" dirty="0" smtClean="0"/>
-              <a:t>in your spare time</a:t>
+              <a:t>Complete unfinished Arduino work in your spare time</a:t>
             </a:r>
             <a:endParaRPr lang="en-CA" dirty="0"/>
           </a:p>
